--- a/01/Задача №1.pptx
+++ b/01/Задача №1.pptx
@@ -8,7 +8,6 @@
     <p:sldId id="257" r:id="rId2"/>
     <p:sldId id="258" r:id="rId3"/>
     <p:sldId id="259" r:id="rId4"/>
-    <p:sldId id="260" r:id="rId5"/>
   </p:sldIdLst>
   <p:sldSz cx="12192000" cy="6858000"/>
   <p:notesSz cx="6858000" cy="9144000"/>
@@ -3000,14 +2999,7 @@
                 <a:latin typeface="Times New Roman" panose="02020603050405020304" pitchFamily="18" charset="0"/>
                 <a:cs typeface="Times New Roman" panose="02020603050405020304" pitchFamily="18" charset="0"/>
               </a:rPr>
-              <a:t>Задание </a:t>
-            </a:r>
-            <a:r>
-              <a:rPr lang="ru-RU" sz="3600" dirty="0" smtClean="0">
-                <a:latin typeface="Times New Roman" panose="02020603050405020304" pitchFamily="18" charset="0"/>
-                <a:cs typeface="Times New Roman" panose="02020603050405020304" pitchFamily="18" charset="0"/>
-              </a:rPr>
-              <a:t>№</a:t>
+              <a:t>Задание №</a:t>
             </a:r>
             <a:r>
               <a:rPr lang="en-US" sz="3600" dirty="0" smtClean="0">
@@ -3021,14 +3013,7 @@
                 <a:latin typeface="Times New Roman" panose="02020603050405020304" pitchFamily="18" charset="0"/>
                 <a:cs typeface="Times New Roman" panose="02020603050405020304" pitchFamily="18" charset="0"/>
               </a:rPr>
-              <a:t> </a:t>
-            </a:r>
-            <a:r>
-              <a:rPr lang="ru-RU" sz="3600" dirty="0" smtClean="0">
-                <a:latin typeface="Times New Roman" panose="02020603050405020304" pitchFamily="18" charset="0"/>
-                <a:cs typeface="Times New Roman" panose="02020603050405020304" pitchFamily="18" charset="0"/>
-              </a:rPr>
-              <a:t>(ФИПИ)</a:t>
+              <a:t> (ФИПИ)</a:t>
             </a:r>
             <a:r>
               <a:rPr lang="ru-RU" sz="1800" dirty="0">
@@ -3148,11 +3133,18 @@
                   <a:buNone/>
                 </a:pPr>
                 <a:r>
+                  <a:rPr lang="ru-RU" dirty="0" smtClean="0">
+                    <a:latin typeface="Times New Roman" panose="02020603050405020304" pitchFamily="18" charset="0"/>
+                    <a:cs typeface="Times New Roman" panose="02020603050405020304" pitchFamily="18" charset="0"/>
+                  </a:rPr>
+                  <a:t>    В </a:t>
+                </a:r>
+                <a:r>
                   <a:rPr lang="ru-RU" dirty="0">
                     <a:latin typeface="Times New Roman" panose="02020603050405020304" pitchFamily="18" charset="0"/>
                     <a:cs typeface="Times New Roman" panose="02020603050405020304" pitchFamily="18" charset="0"/>
                   </a:rPr>
-                  <a:t>В одной из кодировок </a:t>
+                  <a:t>одной из кодировок </a:t>
                 </a:r>
                 <a:r>
                   <a:rPr lang="ru-RU" b="1" dirty="0">
@@ -3171,11 +3163,18 @@
                 <a14:m>
                   <m:oMath xmlns:m="http://schemas.openxmlformats.org/officeDocument/2006/math">
                     <m:r>
+                      <a:rPr lang="ru-RU" b="1" i="1" dirty="0" smtClean="0">
+                        <a:latin typeface="Cambria Math" panose="02040503050406030204" pitchFamily="18" charset="0"/>
+                        <a:cs typeface="Times New Roman" panose="02020603050405020304" pitchFamily="18" charset="0"/>
+                      </a:rPr>
+                      <m:t>𝟏𝟔</m:t>
+                    </m:r>
+                    <m:r>
                       <a:rPr lang="ru-RU" i="1" dirty="0" smtClean="0">
                         <a:latin typeface="Cambria Math" panose="02040503050406030204" pitchFamily="18" charset="0"/>
                         <a:cs typeface="Times New Roman" panose="02020603050405020304" pitchFamily="18" charset="0"/>
                       </a:rPr>
-                      <m:t>16 битами</m:t>
+                      <m:t> битами</m:t>
                     </m:r>
                   </m:oMath>
                 </a14:m>
@@ -3247,11 +3246,18 @@
                   <a:buNone/>
                 </a:pPr>
                 <a:r>
+                  <a:rPr lang="ru-RU" dirty="0" smtClean="0">
+                    <a:latin typeface="Times New Roman" panose="02020603050405020304" pitchFamily="18" charset="0"/>
+                    <a:cs typeface="Times New Roman" panose="02020603050405020304" pitchFamily="18" charset="0"/>
+                  </a:rPr>
+                  <a:t>   Ученица </a:t>
+                </a:r>
+                <a:r>
                   <a:rPr lang="ru-RU" dirty="0">
                     <a:latin typeface="Times New Roman" panose="02020603050405020304" pitchFamily="18" charset="0"/>
                     <a:cs typeface="Times New Roman" panose="02020603050405020304" pitchFamily="18" charset="0"/>
                   </a:rPr>
-                  <a:t>Ученица удалила из списка название одного предмета, а также лишние запятую и пробел – два пробела не должны идти подряд.</a:t>
+                  <a:t>удалила из списка название одного предмета, а также лишние запятую и пробел – два пробела не должны идти подряд.</a:t>
                 </a:r>
               </a:p>
               <a:p>
@@ -3259,11 +3265,18 @@
                   <a:buNone/>
                 </a:pPr>
                 <a:r>
+                  <a:rPr lang="ru-RU" dirty="0" smtClean="0">
+                    <a:latin typeface="Times New Roman" panose="02020603050405020304" pitchFamily="18" charset="0"/>
+                    <a:cs typeface="Times New Roman" panose="02020603050405020304" pitchFamily="18" charset="0"/>
+                  </a:rPr>
+                  <a:t>     При </a:t>
+                </a:r>
+                <a:r>
                   <a:rPr lang="ru-RU" dirty="0">
                     <a:latin typeface="Times New Roman" panose="02020603050405020304" pitchFamily="18" charset="0"/>
                     <a:cs typeface="Times New Roman" panose="02020603050405020304" pitchFamily="18" charset="0"/>
                   </a:rPr>
-                  <a:t>При этом размер нового предложения в данной кодировке оказался</a:t>
+                  <a:t>этом размер нового предложения в данной кодировке оказался</a:t>
                 </a:r>
                 <a:br>
                   <a:rPr lang="ru-RU" dirty="0">
@@ -3281,11 +3294,18 @@
                 <a14:m>
                   <m:oMath xmlns:m="http://schemas.openxmlformats.org/officeDocument/2006/math">
                     <m:r>
+                      <a:rPr lang="ru-RU" b="1" i="1" dirty="0" smtClean="0">
+                        <a:latin typeface="Cambria Math" panose="02040503050406030204" pitchFamily="18" charset="0"/>
+                        <a:cs typeface="Times New Roman" panose="02020603050405020304" pitchFamily="18" charset="0"/>
+                      </a:rPr>
+                      <m:t>𝟐𝟎</m:t>
+                    </m:r>
+                    <m:r>
                       <a:rPr lang="ru-RU" i="1" dirty="0" smtClean="0">
                         <a:latin typeface="Cambria Math" panose="02040503050406030204" pitchFamily="18" charset="0"/>
                         <a:cs typeface="Times New Roman" panose="02020603050405020304" pitchFamily="18" charset="0"/>
                       </a:rPr>
-                      <m:t>20 байт </m:t>
+                      <m:t> байт </m:t>
                     </m:r>
                   </m:oMath>
                 </a14:m>
@@ -3406,167 +3426,302 @@
           </a:p>
         </p:txBody>
       </p:sp>
-      <p:sp>
-        <p:nvSpPr>
-          <p:cNvPr id="3" name="Объект 2"/>
-          <p:cNvSpPr>
-            <a:spLocks noGrp="1"/>
-          </p:cNvSpPr>
-          <p:nvPr>
-            <p:ph idx="1"/>
-          </p:nvPr>
-        </p:nvSpPr>
-        <p:spPr/>
-        <p:txBody>
-          <a:bodyPr/>
-          <a:lstStyle/>
-          <a:p>
-            <a:pPr marL="0" indent="0">
-              <a:buNone/>
-            </a:pPr>
-            <a:r>
-              <a:rPr lang="ru-RU" dirty="0">
-                <a:latin typeface="Times New Roman" panose="02020603050405020304" pitchFamily="18" charset="0"/>
-                <a:cs typeface="Times New Roman" panose="02020603050405020304" pitchFamily="18" charset="0"/>
-              </a:rPr>
-              <a:t>Так как один символ имеет вес </a:t>
-            </a:r>
-            <a:r>
-              <a:rPr lang="ru-RU" dirty="0" smtClean="0">
-                <a:latin typeface="Times New Roman" panose="02020603050405020304" pitchFamily="18" charset="0"/>
-                <a:cs typeface="Times New Roman" panose="02020603050405020304" pitchFamily="18" charset="0"/>
-              </a:rPr>
-              <a:t>16 бит = 2 </a:t>
-            </a:r>
-            <a:r>
-              <a:rPr lang="ru-RU" dirty="0">
-                <a:latin typeface="Times New Roman" panose="02020603050405020304" pitchFamily="18" charset="0"/>
-                <a:cs typeface="Times New Roman" panose="02020603050405020304" pitchFamily="18" charset="0"/>
-              </a:rPr>
-              <a:t>байта, а текст стал меньше на </a:t>
-            </a:r>
-            <a:r>
-              <a:rPr lang="ru-RU" dirty="0" smtClean="0">
-                <a:latin typeface="Times New Roman" panose="02020603050405020304" pitchFamily="18" charset="0"/>
-                <a:cs typeface="Times New Roman" panose="02020603050405020304" pitchFamily="18" charset="0"/>
-              </a:rPr>
-              <a:t>20 </a:t>
-            </a:r>
-            <a:r>
-              <a:rPr lang="ru-RU" dirty="0">
-                <a:latin typeface="Times New Roman" panose="02020603050405020304" pitchFamily="18" charset="0"/>
-                <a:cs typeface="Times New Roman" panose="02020603050405020304" pitchFamily="18" charset="0"/>
-              </a:rPr>
-              <a:t>байт, то удалили </a:t>
-            </a:r>
-            <a:r>
-              <a:rPr lang="ru-RU" dirty="0" smtClean="0">
-                <a:latin typeface="Times New Roman" panose="02020603050405020304" pitchFamily="18" charset="0"/>
-                <a:cs typeface="Times New Roman" panose="02020603050405020304" pitchFamily="18" charset="0"/>
-              </a:rPr>
-              <a:t>10 </a:t>
-            </a:r>
-            <a:r>
-              <a:rPr lang="ru-RU" dirty="0">
-                <a:latin typeface="Times New Roman" panose="02020603050405020304" pitchFamily="18" charset="0"/>
-                <a:cs typeface="Times New Roman" panose="02020603050405020304" pitchFamily="18" charset="0"/>
-              </a:rPr>
-              <a:t>символов. Из </a:t>
-            </a:r>
-            <a:r>
-              <a:rPr lang="ru-RU" dirty="0" smtClean="0">
-                <a:latin typeface="Times New Roman" panose="02020603050405020304" pitchFamily="18" charset="0"/>
-                <a:cs typeface="Times New Roman" panose="02020603050405020304" pitchFamily="18" charset="0"/>
-              </a:rPr>
-              <a:t>10 </a:t>
-            </a:r>
-            <a:r>
-              <a:rPr lang="ru-RU" dirty="0">
-                <a:latin typeface="Times New Roman" panose="02020603050405020304" pitchFamily="18" charset="0"/>
-                <a:cs typeface="Times New Roman" panose="02020603050405020304" pitchFamily="18" charset="0"/>
-              </a:rPr>
-              <a:t>символов 2 это </a:t>
-            </a:r>
-            <a:r>
-              <a:rPr lang="ru-RU" b="1" dirty="0">
-                <a:latin typeface="Times New Roman" panose="02020603050405020304" pitchFamily="18" charset="0"/>
-                <a:cs typeface="Times New Roman" panose="02020603050405020304" pitchFamily="18" charset="0"/>
-              </a:rPr>
-              <a:t>запятая</a:t>
-            </a:r>
-            <a:r>
-              <a:rPr lang="ru-RU" dirty="0">
-                <a:latin typeface="Times New Roman" panose="02020603050405020304" pitchFamily="18" charset="0"/>
-                <a:cs typeface="Times New Roman" panose="02020603050405020304" pitchFamily="18" charset="0"/>
-              </a:rPr>
-              <a:t> и </a:t>
-            </a:r>
-            <a:r>
-              <a:rPr lang="ru-RU" b="1" dirty="0">
-                <a:latin typeface="Times New Roman" panose="02020603050405020304" pitchFamily="18" charset="0"/>
-                <a:cs typeface="Times New Roman" panose="02020603050405020304" pitchFamily="18" charset="0"/>
-              </a:rPr>
-              <a:t>пробел</a:t>
-            </a:r>
-            <a:r>
-              <a:rPr lang="ru-RU" dirty="0">
-                <a:latin typeface="Times New Roman" panose="02020603050405020304" pitchFamily="18" charset="0"/>
-                <a:cs typeface="Times New Roman" panose="02020603050405020304" pitchFamily="18" charset="0"/>
-              </a:rPr>
-              <a:t>, значит нужно найти </a:t>
-            </a:r>
-            <a:r>
-              <a:rPr lang="ru-RU" dirty="0" smtClean="0">
-                <a:latin typeface="Times New Roman" panose="02020603050405020304" pitchFamily="18" charset="0"/>
-                <a:cs typeface="Times New Roman" panose="02020603050405020304" pitchFamily="18" charset="0"/>
-              </a:rPr>
-              <a:t>8 </a:t>
-            </a:r>
-            <a:r>
-              <a:rPr lang="ru-RU" dirty="0">
-                <a:latin typeface="Times New Roman" panose="02020603050405020304" pitchFamily="18" charset="0"/>
-                <a:cs typeface="Times New Roman" panose="02020603050405020304" pitchFamily="18" charset="0"/>
-              </a:rPr>
-              <a:t>буквенное </a:t>
-            </a:r>
-            <a:r>
-              <a:rPr lang="ru-RU" dirty="0" smtClean="0">
-                <a:latin typeface="Times New Roman" panose="02020603050405020304" pitchFamily="18" charset="0"/>
-                <a:cs typeface="Times New Roman" panose="02020603050405020304" pitchFamily="18" charset="0"/>
-              </a:rPr>
-              <a:t>слово:</a:t>
-            </a:r>
-          </a:p>
-          <a:p>
-            <a:pPr marL="0" indent="0">
-              <a:buNone/>
-            </a:pPr>
-            <a:r>
-              <a:rPr lang="ru-RU" dirty="0">
-                <a:latin typeface="Times New Roman" panose="02020603050405020304" pitchFamily="18" charset="0"/>
-                <a:cs typeface="Times New Roman" panose="02020603050405020304" pitchFamily="18" charset="0"/>
-              </a:rPr>
-              <a:t>«</a:t>
-            </a:r>
-            <a:r>
-              <a:rPr lang="ru-RU" b="1" i="1" dirty="0">
-                <a:latin typeface="Times New Roman" panose="02020603050405020304" pitchFamily="18" charset="0"/>
-                <a:cs typeface="Times New Roman" panose="02020603050405020304" pitchFamily="18" charset="0"/>
-              </a:rPr>
-              <a:t>Предметы мебели: пуф, стул, диван, кресло, кровать, тумбочка, оттоманка, полукресло, раскладушка».</a:t>
-            </a:r>
-          </a:p>
-          <a:p>
-            <a:pPr marL="0" indent="0">
-              <a:buNone/>
-            </a:pPr>
-            <a:endParaRPr lang="ru-RU" dirty="0">
-              <a:latin typeface="Times New Roman" panose="02020603050405020304" pitchFamily="18" charset="0"/>
-              <a:cs typeface="Times New Roman" panose="02020603050405020304" pitchFamily="18" charset="0"/>
-            </a:endParaRPr>
-          </a:p>
-        </p:txBody>
-      </p:sp>
+      <mc:AlternateContent xmlns:mc="http://schemas.openxmlformats.org/markup-compatibility/2006">
+        <mc:Choice xmlns:a14="http://schemas.microsoft.com/office/drawing/2010/main" Requires="a14">
+          <p:sp>
+            <p:nvSpPr>
+              <p:cNvPr id="3" name="Объект 2"/>
+              <p:cNvSpPr>
+                <a:spLocks noGrp="1"/>
+              </p:cNvSpPr>
+              <p:nvPr>
+                <p:ph idx="1"/>
+              </p:nvPr>
+            </p:nvSpPr>
+            <p:spPr/>
+            <p:txBody>
+              <a:bodyPr/>
+              <a:lstStyle/>
+              <a:p>
+                <a:pPr marL="0" indent="0" algn="just">
+                  <a:buNone/>
+                </a:pPr>
+                <a:r>
+                  <a:rPr lang="ru-RU" dirty="0" smtClean="0">
+                    <a:latin typeface="Times New Roman" panose="02020603050405020304" pitchFamily="18" charset="0"/>
+                    <a:cs typeface="Times New Roman" panose="02020603050405020304" pitchFamily="18" charset="0"/>
+                  </a:rPr>
+                  <a:t>      Так </a:t>
+                </a:r>
+                <a:r>
+                  <a:rPr lang="ru-RU" dirty="0">
+                    <a:latin typeface="Times New Roman" panose="02020603050405020304" pitchFamily="18" charset="0"/>
+                    <a:cs typeface="Times New Roman" panose="02020603050405020304" pitchFamily="18" charset="0"/>
+                  </a:rPr>
+                  <a:t>как один символ имеет вес </a:t>
+                </a:r>
+                <a14:m>
+                  <m:oMath xmlns:m="http://schemas.openxmlformats.org/officeDocument/2006/math">
+                    <m:r>
+                      <a:rPr lang="ru-RU" b="1" i="1" dirty="0" smtClean="0">
+                        <a:latin typeface="Cambria Math" panose="02040503050406030204" pitchFamily="18" charset="0"/>
+                        <a:cs typeface="Times New Roman" panose="02020603050405020304" pitchFamily="18" charset="0"/>
+                      </a:rPr>
+                      <m:t>𝟏𝟔</m:t>
+                    </m:r>
+                  </m:oMath>
+                </a14:m>
+                <a:r>
+                  <a:rPr lang="ru-RU" dirty="0" smtClean="0">
+                    <a:latin typeface="Times New Roman" panose="02020603050405020304" pitchFamily="18" charset="0"/>
+                    <a:cs typeface="Times New Roman" panose="02020603050405020304" pitchFamily="18" charset="0"/>
+                  </a:rPr>
+                  <a:t> бит = </a:t>
+                </a:r>
+                <a14:m>
+                  <m:oMath xmlns:m="http://schemas.openxmlformats.org/officeDocument/2006/math">
+                    <m:r>
+                      <a:rPr lang="ru-RU" b="1" i="1" dirty="0" smtClean="0">
+                        <a:latin typeface="Cambria Math" panose="02040503050406030204" pitchFamily="18" charset="0"/>
+                        <a:cs typeface="Times New Roman" panose="02020603050405020304" pitchFamily="18" charset="0"/>
+                      </a:rPr>
+                      <m:t>𝟐</m:t>
+                    </m:r>
+                  </m:oMath>
+                </a14:m>
+                <a:r>
+                  <a:rPr lang="ru-RU" dirty="0" smtClean="0">
+                    <a:latin typeface="Times New Roman" panose="02020603050405020304" pitchFamily="18" charset="0"/>
+                    <a:cs typeface="Times New Roman" panose="02020603050405020304" pitchFamily="18" charset="0"/>
+                  </a:rPr>
+                  <a:t> </a:t>
+                </a:r>
+                <a:r>
+                  <a:rPr lang="ru-RU" dirty="0">
+                    <a:latin typeface="Times New Roman" panose="02020603050405020304" pitchFamily="18" charset="0"/>
+                    <a:cs typeface="Times New Roman" panose="02020603050405020304" pitchFamily="18" charset="0"/>
+                  </a:rPr>
+                  <a:t>байта, а текст стал меньше на </a:t>
+                </a:r>
+                <a14:m>
+                  <m:oMath xmlns:m="http://schemas.openxmlformats.org/officeDocument/2006/math">
+                    <m:r>
+                      <a:rPr lang="ru-RU" b="1" i="1" dirty="0" smtClean="0">
+                        <a:latin typeface="Cambria Math" panose="02040503050406030204" pitchFamily="18" charset="0"/>
+                        <a:cs typeface="Times New Roman" panose="02020603050405020304" pitchFamily="18" charset="0"/>
+                      </a:rPr>
+                      <m:t>𝟐𝟎</m:t>
+                    </m:r>
+                  </m:oMath>
+                </a14:m>
+                <a:r>
+                  <a:rPr lang="ru-RU" dirty="0" smtClean="0">
+                    <a:latin typeface="Times New Roman" panose="02020603050405020304" pitchFamily="18" charset="0"/>
+                    <a:cs typeface="Times New Roman" panose="02020603050405020304" pitchFamily="18" charset="0"/>
+                  </a:rPr>
+                  <a:t> </a:t>
+                </a:r>
+                <a:r>
+                  <a:rPr lang="ru-RU" dirty="0">
+                    <a:latin typeface="Times New Roman" panose="02020603050405020304" pitchFamily="18" charset="0"/>
+                    <a:cs typeface="Times New Roman" panose="02020603050405020304" pitchFamily="18" charset="0"/>
+                  </a:rPr>
+                  <a:t>байт, то удалили </a:t>
+                </a:r>
+                <a14:m>
+                  <m:oMath xmlns:m="http://schemas.openxmlformats.org/officeDocument/2006/math">
+                    <m:r>
+                      <a:rPr lang="ru-RU" b="1" i="1" dirty="0" smtClean="0">
+                        <a:latin typeface="Cambria Math" panose="02040503050406030204" pitchFamily="18" charset="0"/>
+                        <a:cs typeface="Times New Roman" panose="02020603050405020304" pitchFamily="18" charset="0"/>
+                      </a:rPr>
+                      <m:t>𝟏𝟎</m:t>
+                    </m:r>
+                  </m:oMath>
+                </a14:m>
+                <a:r>
+                  <a:rPr lang="ru-RU" dirty="0" smtClean="0">
+                    <a:latin typeface="Times New Roman" panose="02020603050405020304" pitchFamily="18" charset="0"/>
+                    <a:cs typeface="Times New Roman" panose="02020603050405020304" pitchFamily="18" charset="0"/>
+                  </a:rPr>
+                  <a:t> </a:t>
+                </a:r>
+                <a:r>
+                  <a:rPr lang="ru-RU" dirty="0">
+                    <a:latin typeface="Times New Roman" panose="02020603050405020304" pitchFamily="18" charset="0"/>
+                    <a:cs typeface="Times New Roman" panose="02020603050405020304" pitchFamily="18" charset="0"/>
+                  </a:rPr>
+                  <a:t>символов. Из </a:t>
+                </a:r>
+                <a14:m>
+                  <m:oMath xmlns:m="http://schemas.openxmlformats.org/officeDocument/2006/math">
+                    <m:r>
+                      <a:rPr lang="ru-RU" b="1" i="1" dirty="0" smtClean="0">
+                        <a:latin typeface="Cambria Math" panose="02040503050406030204" pitchFamily="18" charset="0"/>
+                        <a:cs typeface="Times New Roman" panose="02020603050405020304" pitchFamily="18" charset="0"/>
+                      </a:rPr>
+                      <m:t>𝟏𝟎</m:t>
+                    </m:r>
+                  </m:oMath>
+                </a14:m>
+                <a:r>
+                  <a:rPr lang="ru-RU" dirty="0" smtClean="0">
+                    <a:latin typeface="Times New Roman" panose="02020603050405020304" pitchFamily="18" charset="0"/>
+                    <a:cs typeface="Times New Roman" panose="02020603050405020304" pitchFamily="18" charset="0"/>
+                  </a:rPr>
+                  <a:t> </a:t>
+                </a:r>
+                <a:r>
+                  <a:rPr lang="ru-RU" dirty="0">
+                    <a:latin typeface="Times New Roman" panose="02020603050405020304" pitchFamily="18" charset="0"/>
+                    <a:cs typeface="Times New Roman" panose="02020603050405020304" pitchFamily="18" charset="0"/>
+                  </a:rPr>
+                  <a:t>символов </a:t>
+                </a:r>
+                <a14:m>
+                  <m:oMath xmlns:m="http://schemas.openxmlformats.org/officeDocument/2006/math">
+                    <m:r>
+                      <a:rPr lang="ru-RU" b="1" i="1" dirty="0" smtClean="0">
+                        <a:latin typeface="Cambria Math" panose="02040503050406030204" pitchFamily="18" charset="0"/>
+                        <a:cs typeface="Times New Roman" panose="02020603050405020304" pitchFamily="18" charset="0"/>
+                      </a:rPr>
+                      <m:t>𝟐</m:t>
+                    </m:r>
+                  </m:oMath>
+                </a14:m>
+                <a:r>
+                  <a:rPr lang="ru-RU" dirty="0">
+                    <a:latin typeface="Times New Roman" panose="02020603050405020304" pitchFamily="18" charset="0"/>
+                    <a:cs typeface="Times New Roman" panose="02020603050405020304" pitchFamily="18" charset="0"/>
+                  </a:rPr>
+                  <a:t> это </a:t>
+                </a:r>
+                <a:r>
+                  <a:rPr lang="ru-RU" b="1" dirty="0">
+                    <a:latin typeface="Times New Roman" panose="02020603050405020304" pitchFamily="18" charset="0"/>
+                    <a:cs typeface="Times New Roman" panose="02020603050405020304" pitchFamily="18" charset="0"/>
+                  </a:rPr>
+                  <a:t>запятая</a:t>
+                </a:r>
+                <a:r>
+                  <a:rPr lang="ru-RU" dirty="0">
+                    <a:latin typeface="Times New Roman" panose="02020603050405020304" pitchFamily="18" charset="0"/>
+                    <a:cs typeface="Times New Roman" panose="02020603050405020304" pitchFamily="18" charset="0"/>
+                  </a:rPr>
+                  <a:t> и </a:t>
+                </a:r>
+                <a:r>
+                  <a:rPr lang="ru-RU" b="1" dirty="0">
+                    <a:latin typeface="Times New Roman" panose="02020603050405020304" pitchFamily="18" charset="0"/>
+                    <a:cs typeface="Times New Roman" panose="02020603050405020304" pitchFamily="18" charset="0"/>
+                  </a:rPr>
+                  <a:t>пробел</a:t>
+                </a:r>
+                <a:r>
+                  <a:rPr lang="ru-RU" dirty="0">
+                    <a:latin typeface="Times New Roman" panose="02020603050405020304" pitchFamily="18" charset="0"/>
+                    <a:cs typeface="Times New Roman" panose="02020603050405020304" pitchFamily="18" charset="0"/>
+                  </a:rPr>
+                  <a:t>, значит нужно найти </a:t>
+                </a:r>
+                <a14:m>
+                  <m:oMath xmlns:m="http://schemas.openxmlformats.org/officeDocument/2006/math">
+                    <m:r>
+                      <a:rPr lang="ru-RU" b="1" i="1" dirty="0" smtClean="0">
+                        <a:latin typeface="Cambria Math" panose="02040503050406030204" pitchFamily="18" charset="0"/>
+                        <a:cs typeface="Times New Roman" panose="02020603050405020304" pitchFamily="18" charset="0"/>
+                      </a:rPr>
+                      <m:t>𝟖</m:t>
+                    </m:r>
+                  </m:oMath>
+                </a14:m>
+                <a:r>
+                  <a:rPr lang="ru-RU" dirty="0" smtClean="0">
+                    <a:latin typeface="Times New Roman" panose="02020603050405020304" pitchFamily="18" charset="0"/>
+                    <a:cs typeface="Times New Roman" panose="02020603050405020304" pitchFamily="18" charset="0"/>
+                  </a:rPr>
+                  <a:t> </a:t>
+                </a:r>
+                <a:r>
+                  <a:rPr lang="ru-RU" dirty="0">
+                    <a:latin typeface="Times New Roman" panose="02020603050405020304" pitchFamily="18" charset="0"/>
+                    <a:cs typeface="Times New Roman" panose="02020603050405020304" pitchFamily="18" charset="0"/>
+                  </a:rPr>
+                  <a:t>буквенное </a:t>
+                </a:r>
+                <a:r>
+                  <a:rPr lang="ru-RU" dirty="0" smtClean="0">
+                    <a:latin typeface="Times New Roman" panose="02020603050405020304" pitchFamily="18" charset="0"/>
+                    <a:cs typeface="Times New Roman" panose="02020603050405020304" pitchFamily="18" charset="0"/>
+                  </a:rPr>
+                  <a:t>слово:</a:t>
+                </a:r>
+              </a:p>
+              <a:p>
+                <a:pPr marL="0" indent="0" algn="just">
+                  <a:buNone/>
+                </a:pPr>
+                <a:r>
+                  <a:rPr lang="ru-RU" dirty="0">
+                    <a:latin typeface="Times New Roman" panose="02020603050405020304" pitchFamily="18" charset="0"/>
+                    <a:cs typeface="Times New Roman" panose="02020603050405020304" pitchFamily="18" charset="0"/>
+                  </a:rPr>
+                  <a:t>«</a:t>
+                </a:r>
+                <a:r>
+                  <a:rPr lang="ru-RU" b="1" i="1" dirty="0">
+                    <a:latin typeface="Times New Roman" panose="02020603050405020304" pitchFamily="18" charset="0"/>
+                    <a:cs typeface="Times New Roman" panose="02020603050405020304" pitchFamily="18" charset="0"/>
+                  </a:rPr>
+                  <a:t>Предметы мебели: пуф, стул, диван, кресло, кровать, тумбочка, оттоманка, полукресло, раскладушка».</a:t>
+                </a:r>
+              </a:p>
+              <a:p>
+                <a:pPr marL="0" indent="0">
+                  <a:buNone/>
+                </a:pPr>
+                <a:endParaRPr lang="ru-RU" dirty="0">
+                  <a:latin typeface="Times New Roman" panose="02020603050405020304" pitchFamily="18" charset="0"/>
+                  <a:cs typeface="Times New Roman" panose="02020603050405020304" pitchFamily="18" charset="0"/>
+                </a:endParaRPr>
+              </a:p>
+            </p:txBody>
+          </p:sp>
+        </mc:Choice>
+        <mc:Fallback>
+          <p:sp>
+            <p:nvSpPr>
+              <p:cNvPr id="3" name="Объект 2"/>
+              <p:cNvSpPr>
+                <a:spLocks noGrp="1" noRot="1" noChangeAspect="1" noMove="1" noResize="1" noEditPoints="1" noAdjustHandles="1" noChangeArrowheads="1" noChangeShapeType="1" noTextEdit="1"/>
+              </p:cNvSpPr>
+              <p:nvPr>
+                <p:ph idx="1"/>
+              </p:nvPr>
+            </p:nvSpPr>
+            <p:spPr>
+              <a:blipFill>
+                <a:blip r:embed="rId2"/>
+                <a:stretch>
+                  <a:fillRect l="-1217" t="-2381" r="-1159"/>
+                </a:stretch>
+              </a:blipFill>
+            </p:spPr>
+            <p:txBody>
+              <a:bodyPr/>
+              <a:lstStyle/>
+              <a:p>
+                <a:r>
+                  <a:rPr lang="ru-RU">
+                    <a:noFill/>
+                  </a:rPr>
+                  <a:t> </a:t>
+                </a:r>
+              </a:p>
+            </p:txBody>
+          </p:sp>
+        </mc:Fallback>
+      </mc:AlternateContent>
       <p:sp>
         <p:nvSpPr>
           <p:cNvPr id="4" name="Скругленный прямоугольник 3"/>
@@ -3689,56 +3844,120 @@
             <p:ph type="title"/>
           </p:nvPr>
         </p:nvSpPr>
-        <p:spPr/>
-        <p:txBody>
-          <a:bodyPr/>
-          <a:lstStyle/>
-          <a:p>
+        <p:spPr>
+          <a:xfrm>
+            <a:off x="737532" y="59935"/>
+            <a:ext cx="10515600" cy="1325563"/>
+          </a:xfrm>
+        </p:spPr>
+        <p:txBody>
+          <a:bodyPr>
+            <a:normAutofit/>
+          </a:bodyPr>
+          <a:lstStyle/>
+          <a:p>
+            <a:pPr algn="ctr"/>
+            <a:r>
+              <a:rPr lang="ru-RU" sz="3600" dirty="0" smtClean="0">
+                <a:latin typeface="Times New Roman" panose="02020603050405020304" pitchFamily="18" charset="0"/>
+                <a:cs typeface="Times New Roman" panose="02020603050405020304" pitchFamily="18" charset="0"/>
+              </a:rPr>
+              <a:t>Быстрый способ проверки данных задач учителем</a:t>
+            </a:r>
+            <a:endParaRPr lang="ru-RU" sz="3600" dirty="0">
+              <a:latin typeface="Times New Roman" panose="02020603050405020304" pitchFamily="18" charset="0"/>
+              <a:cs typeface="Times New Roman" panose="02020603050405020304" pitchFamily="18" charset="0"/>
+            </a:endParaRPr>
+          </a:p>
+        </p:txBody>
+      </p:sp>
+      <p:sp>
+        <p:nvSpPr>
+          <p:cNvPr id="3" name="Объект 2"/>
+          <p:cNvSpPr>
+            <a:spLocks noGrp="1"/>
+          </p:cNvSpPr>
+          <p:nvPr>
+            <p:ph idx="1"/>
+          </p:nvPr>
+        </p:nvSpPr>
+        <p:spPr>
+          <a:xfrm>
+            <a:off x="766625" y="1011892"/>
+            <a:ext cx="5843900" cy="5284275"/>
+          </a:xfrm>
+        </p:spPr>
+        <p:txBody>
+          <a:bodyPr/>
+          <a:lstStyle/>
+          <a:p>
+            <a:pPr marL="0" indent="0" algn="just">
+              <a:buNone/>
+            </a:pPr>
             <a:r>
               <a:rPr lang="ru-RU" dirty="0" smtClean="0">
                 <a:latin typeface="Times New Roman" panose="02020603050405020304" pitchFamily="18" charset="0"/>
                 <a:cs typeface="Times New Roman" panose="02020603050405020304" pitchFamily="18" charset="0"/>
               </a:rPr>
-              <a:t>Алгоритмизация решения</a:t>
-            </a:r>
-            <a:endParaRPr lang="ru-RU" dirty="0">
-              <a:latin typeface="Times New Roman" panose="02020603050405020304" pitchFamily="18" charset="0"/>
-              <a:cs typeface="Times New Roman" panose="02020603050405020304" pitchFamily="18" charset="0"/>
-            </a:endParaRPr>
-          </a:p>
-        </p:txBody>
-      </p:sp>
-      <p:sp>
-        <p:nvSpPr>
-          <p:cNvPr id="3" name="Объект 2"/>
-          <p:cNvSpPr>
-            <a:spLocks noGrp="1"/>
-          </p:cNvSpPr>
-          <p:nvPr>
-            <p:ph idx="1"/>
-          </p:nvPr>
-        </p:nvSpPr>
-        <p:spPr/>
-        <p:txBody>
-          <a:bodyPr/>
-          <a:lstStyle/>
-          <a:p>
-            <a:pPr marL="0" indent="0">
-              <a:buNone/>
-            </a:pPr>
-            <a:r>
-              <a:rPr lang="ru-RU" dirty="0" smtClean="0">
+              <a:t>  </a:t>
+            </a:r>
+            <a:r>
+              <a:rPr lang="ru-RU" sz="2000" dirty="0" smtClean="0">
                 <a:latin typeface="Times New Roman" panose="02020603050405020304" pitchFamily="18" charset="0"/>
                 <a:cs typeface="Times New Roman" panose="02020603050405020304" pitchFamily="18" charset="0"/>
               </a:rPr>
-              <a:t>Для удобства визуализации процесса решения можно написать небольшую программу которая будет получать информационный вес одного символа, сам текст и выдавать информации в виде таблицы:</a:t>
-            </a:r>
-          </a:p>
-          <a:p>
-            <a:pPr marL="0" indent="0">
-              <a:buNone/>
-            </a:pPr>
-            <a:endParaRPr lang="ru-RU" dirty="0">
+              <a:t>1.</a:t>
+            </a:r>
+            <a:r>
+              <a:rPr lang="ru-RU" sz="2000" dirty="0" smtClean="0">
+                <a:latin typeface="Times New Roman" panose="02020603050405020304" pitchFamily="18" charset="0"/>
+                <a:cs typeface="Times New Roman" panose="02020603050405020304" pitchFamily="18" charset="0"/>
+              </a:rPr>
+              <a:t> Для </a:t>
+            </a:r>
+            <a:r>
+              <a:rPr lang="ru-RU" sz="2000" dirty="0" smtClean="0">
+                <a:latin typeface="Times New Roman" panose="02020603050405020304" pitchFamily="18" charset="0"/>
+                <a:cs typeface="Times New Roman" panose="02020603050405020304" pitchFamily="18" charset="0"/>
+              </a:rPr>
+              <a:t>удобства визуализации процесса решения можно написать небольшую </a:t>
+            </a:r>
+            <a:r>
+              <a:rPr lang="ru-RU" sz="2000" dirty="0" smtClean="0">
+                <a:latin typeface="Times New Roman" panose="02020603050405020304" pitchFamily="18" charset="0"/>
+                <a:cs typeface="Times New Roman" panose="02020603050405020304" pitchFamily="18" charset="0"/>
+              </a:rPr>
+              <a:t>программу, </a:t>
+            </a:r>
+            <a:r>
+              <a:rPr lang="ru-RU" sz="2000" dirty="0" smtClean="0">
+                <a:latin typeface="Times New Roman" panose="02020603050405020304" pitchFamily="18" charset="0"/>
+                <a:cs typeface="Times New Roman" panose="02020603050405020304" pitchFamily="18" charset="0"/>
+              </a:rPr>
+              <a:t>которая будет получать информационный вес одного символа, сам текст и выдавать </a:t>
+            </a:r>
+            <a:r>
+              <a:rPr lang="ru-RU" sz="2000" dirty="0" smtClean="0">
+                <a:latin typeface="Times New Roman" panose="02020603050405020304" pitchFamily="18" charset="0"/>
+                <a:cs typeface="Times New Roman" panose="02020603050405020304" pitchFamily="18" charset="0"/>
+              </a:rPr>
+              <a:t>информационный вес каждого символа </a:t>
+            </a:r>
+            <a:r>
+              <a:rPr lang="ru-RU" sz="2000" dirty="0" smtClean="0">
+                <a:latin typeface="Times New Roman" panose="02020603050405020304" pitchFamily="18" charset="0"/>
+                <a:cs typeface="Times New Roman" panose="02020603050405020304" pitchFamily="18" charset="0"/>
+              </a:rPr>
+              <a:t>в виде </a:t>
+            </a:r>
+            <a:r>
+              <a:rPr lang="ru-RU" sz="2000" dirty="0" smtClean="0">
+                <a:latin typeface="Times New Roman" panose="02020603050405020304" pitchFamily="18" charset="0"/>
+                <a:cs typeface="Times New Roman" panose="02020603050405020304" pitchFamily="18" charset="0"/>
+              </a:rPr>
+              <a:t>таблицы.</a:t>
+            </a:r>
+            <a:endParaRPr lang="ru-RU" sz="2000" dirty="0" smtClean="0">
               <a:latin typeface="Times New Roman" panose="02020603050405020304" pitchFamily="18" charset="0"/>
               <a:cs typeface="Times New Roman" panose="02020603050405020304" pitchFamily="18" charset="0"/>
             </a:endParaRPr>
@@ -3756,7 +3975,7 @@
             <a:pPr marL="0" indent="0">
               <a:buNone/>
             </a:pPr>
-            <a:endParaRPr lang="ru-RU" dirty="0">
+            <a:endParaRPr lang="ru-RU" sz="800" dirty="0" smtClean="0">
               <a:latin typeface="Times New Roman" panose="02020603050405020304" pitchFamily="18" charset="0"/>
               <a:cs typeface="Times New Roman" panose="02020603050405020304" pitchFamily="18" charset="0"/>
             </a:endParaRPr>
@@ -3765,13 +3984,34 @@
             <a:pPr marL="0" indent="0">
               <a:buNone/>
             </a:pPr>
-            <a:endParaRPr lang="ru-RU" dirty="0" smtClean="0">
+            <a:r>
+              <a:rPr lang="ru-RU" sz="2200" dirty="0" smtClean="0">
+                <a:latin typeface="Times New Roman" panose="02020603050405020304" pitchFamily="18" charset="0"/>
+                <a:cs typeface="Times New Roman" panose="02020603050405020304" pitchFamily="18" charset="0"/>
+              </a:rPr>
+              <a:t>                                               Файл:</a:t>
+            </a:r>
+          </a:p>
+          <a:p>
+            <a:pPr marL="0" indent="0">
+              <a:buNone/>
+            </a:pPr>
+            <a:endParaRPr lang="ru-RU" sz="2200" dirty="0" smtClean="0">
               <a:latin typeface="Times New Roman" panose="02020603050405020304" pitchFamily="18" charset="0"/>
               <a:cs typeface="Times New Roman" panose="02020603050405020304" pitchFamily="18" charset="0"/>
             </a:endParaRPr>
           </a:p>
           <a:p>
             <a:pPr marL="0" indent="0">
+              <a:buNone/>
+            </a:pPr>
+            <a:endParaRPr lang="ru-RU" sz="200" dirty="0" smtClean="0">
+              <a:latin typeface="Times New Roman" panose="02020603050405020304" pitchFamily="18" charset="0"/>
+              <a:cs typeface="Times New Roman" panose="02020603050405020304" pitchFamily="18" charset="0"/>
+            </a:endParaRPr>
+          </a:p>
+          <a:p>
+            <a:pPr marL="0" indent="0" algn="just">
               <a:buNone/>
             </a:pPr>
             <a:r>
@@ -3779,8 +4019,61 @@
                 <a:latin typeface="Times New Roman" panose="02020603050405020304" pitchFamily="18" charset="0"/>
                 <a:cs typeface="Times New Roman" panose="02020603050405020304" pitchFamily="18" charset="0"/>
               </a:rPr>
-              <a:t>Файл:</a:t>
-            </a:r>
+              <a:t>   </a:t>
+            </a:r>
+            <a:r>
+              <a:rPr lang="ru-RU" sz="2200" dirty="0" smtClean="0">
+                <a:latin typeface="Times New Roman" panose="02020603050405020304" pitchFamily="18" charset="0"/>
+                <a:cs typeface="Times New Roman" panose="02020603050405020304" pitchFamily="18" charset="0"/>
+              </a:rPr>
+              <a:t>2.  </a:t>
+            </a:r>
+            <a:r>
+              <a:rPr lang="ru-RU" sz="2000" dirty="0" smtClean="0">
+                <a:latin typeface="Times New Roman" panose="02020603050405020304" pitchFamily="18" charset="0"/>
+                <a:cs typeface="Times New Roman" panose="02020603050405020304" pitchFamily="18" charset="0"/>
+              </a:rPr>
+              <a:t>Если </a:t>
+            </a:r>
+            <a:r>
+              <a:rPr lang="ru-RU" sz="2000" dirty="0">
+                <a:latin typeface="Times New Roman" panose="02020603050405020304" pitchFamily="18" charset="0"/>
+                <a:cs typeface="Times New Roman" panose="02020603050405020304" pitchFamily="18" charset="0"/>
+              </a:rPr>
+              <a:t>перенести данные в </a:t>
+            </a:r>
+            <a:r>
+              <a:rPr lang="en-US" sz="2000" dirty="0">
+                <a:latin typeface="Times New Roman" panose="02020603050405020304" pitchFamily="18" charset="0"/>
+                <a:cs typeface="Times New Roman" panose="02020603050405020304" pitchFamily="18" charset="0"/>
+              </a:rPr>
+              <a:t>Excel</a:t>
+            </a:r>
+            <a:r>
+              <a:rPr lang="ru-RU" sz="2000" dirty="0">
+                <a:latin typeface="Times New Roman" panose="02020603050405020304" pitchFamily="18" charset="0"/>
+                <a:cs typeface="Times New Roman" panose="02020603050405020304" pitchFamily="18" charset="0"/>
+              </a:rPr>
+              <a:t>, то при выделении любого слова, будет виден его информационный вес</a:t>
+            </a:r>
+            <a:r>
+              <a:rPr lang="en-US" sz="2000" dirty="0" smtClean="0">
+                <a:latin typeface="Times New Roman" panose="02020603050405020304" pitchFamily="18" charset="0"/>
+                <a:cs typeface="Times New Roman" panose="02020603050405020304" pitchFamily="18" charset="0"/>
+              </a:rPr>
+              <a:t>:</a:t>
+            </a:r>
+            <a:r>
+              <a:rPr lang="ru-RU" sz="2000" dirty="0" smtClean="0">
+                <a:latin typeface="Times New Roman" panose="02020603050405020304" pitchFamily="18" charset="0"/>
+                <a:cs typeface="Times New Roman" panose="02020603050405020304" pitchFamily="18" charset="0"/>
+              </a:rPr>
+              <a:t> </a:t>
+            </a:r>
+            <a:endParaRPr lang="en-US" sz="2000" dirty="0">
+              <a:latin typeface="Times New Roman" panose="02020603050405020304" pitchFamily="18" charset="0"/>
+              <a:cs typeface="Times New Roman" panose="02020603050405020304" pitchFamily="18" charset="0"/>
+            </a:endParaRPr>
           </a:p>
           <a:p>
             <a:pPr marL="0" indent="0">
@@ -3809,8 +4102,8 @@
         </p:blipFill>
         <p:spPr>
           <a:xfrm>
-            <a:off x="2732759" y="3156439"/>
-            <a:ext cx="6323459" cy="2083346"/>
+            <a:off x="6639618" y="1082951"/>
+            <a:ext cx="5297916" cy="2083346"/>
           </a:xfrm>
           <a:prstGeom prst="rect">
             <a:avLst/>
@@ -3833,7 +4126,7 @@
         </p:blipFill>
         <p:spPr>
           <a:xfrm>
-            <a:off x="2214458" y="5527393"/>
+            <a:off x="5142215" y="3299215"/>
             <a:ext cx="6725589" cy="533474"/>
           </a:xfrm>
           <a:prstGeom prst="rect">
@@ -3877,137 +4170,23 @@
           </a:p>
         </p:txBody>
       </p:sp>
-    </p:spTree>
-    <p:extLst>
-      <p:ext uri="{BB962C8B-B14F-4D97-AF65-F5344CB8AC3E}">
-        <p14:creationId xmlns:p14="http://schemas.microsoft.com/office/powerpoint/2010/main" val="2187028383"/>
-      </p:ext>
-    </p:extLst>
-  </p:cSld>
-  <p:clrMapOvr>
-    <a:masterClrMapping/>
-  </p:clrMapOvr>
-</p:sld>
-</file>
-
-<file path=ppt/slides/slide4.xml><?xml version="1.0" encoding="utf-8"?>
-<p:sld xmlns:a="http://schemas.openxmlformats.org/drawingml/2006/main" xmlns:r="http://schemas.openxmlformats.org/officeDocument/2006/relationships" xmlns:p="http://schemas.openxmlformats.org/presentationml/2006/main">
-  <p:cSld>
-    <p:spTree>
-      <p:nvGrpSpPr>
-        <p:cNvPr id="1" name=""/>
-        <p:cNvGrpSpPr/>
-        <p:nvPr/>
-      </p:nvGrpSpPr>
-      <p:grpSpPr>
-        <a:xfrm>
-          <a:off x="0" y="0"/>
-          <a:ext cx="0" cy="0"/>
-          <a:chOff x="0" y="0"/>
-          <a:chExt cx="0" cy="0"/>
-        </a:xfrm>
-      </p:grpSpPr>
-      <p:sp>
-        <p:nvSpPr>
-          <p:cNvPr id="2" name="Заголовок 1"/>
-          <p:cNvSpPr>
-            <a:spLocks noGrp="1"/>
-          </p:cNvSpPr>
-          <p:nvPr>
-            <p:ph type="title"/>
-          </p:nvPr>
-        </p:nvSpPr>
-        <p:spPr/>
-        <p:txBody>
-          <a:bodyPr/>
-          <a:lstStyle/>
-          <a:p>
-            <a:r>
-              <a:rPr lang="ru-RU" dirty="0">
-                <a:latin typeface="Times New Roman" panose="02020603050405020304" pitchFamily="18" charset="0"/>
-                <a:cs typeface="Times New Roman" panose="02020603050405020304" pitchFamily="18" charset="0"/>
-              </a:rPr>
-              <a:t>Алгоритмизация решения</a:t>
-            </a:r>
-            <a:endParaRPr lang="ru-RU" dirty="0"/>
-          </a:p>
-        </p:txBody>
-      </p:sp>
-      <p:sp>
-        <p:nvSpPr>
-          <p:cNvPr id="3" name="Объект 2"/>
-          <p:cNvSpPr>
-            <a:spLocks noGrp="1"/>
-          </p:cNvSpPr>
-          <p:nvPr>
-            <p:ph idx="1"/>
-          </p:nvPr>
-        </p:nvSpPr>
-        <p:spPr/>
-        <p:txBody>
-          <a:bodyPr/>
-          <a:lstStyle/>
-          <a:p>
-            <a:pPr marL="0" indent="0">
-              <a:buNone/>
-            </a:pPr>
-            <a:r>
-              <a:rPr lang="ru-RU" dirty="0" smtClean="0">
-                <a:latin typeface="Times New Roman" panose="02020603050405020304" pitchFamily="18" charset="0"/>
-                <a:cs typeface="Times New Roman" panose="02020603050405020304" pitchFamily="18" charset="0"/>
-              </a:rPr>
-              <a:t>Если перенести данные в </a:t>
-            </a:r>
-            <a:r>
-              <a:rPr lang="en-US" dirty="0" smtClean="0">
-                <a:latin typeface="Times New Roman" panose="02020603050405020304" pitchFamily="18" charset="0"/>
-                <a:cs typeface="Times New Roman" panose="02020603050405020304" pitchFamily="18" charset="0"/>
-              </a:rPr>
-              <a:t>Excel</a:t>
-            </a:r>
-            <a:r>
-              <a:rPr lang="ru-RU" dirty="0" smtClean="0">
-                <a:latin typeface="Times New Roman" panose="02020603050405020304" pitchFamily="18" charset="0"/>
-                <a:cs typeface="Times New Roman" panose="02020603050405020304" pitchFamily="18" charset="0"/>
-              </a:rPr>
-              <a:t>, то при выделении любого слова, будет виден его информационный вес</a:t>
-            </a:r>
-            <a:r>
-              <a:rPr lang="en-US" dirty="0" smtClean="0">
-                <a:latin typeface="Times New Roman" panose="02020603050405020304" pitchFamily="18" charset="0"/>
-                <a:cs typeface="Times New Roman" panose="02020603050405020304" pitchFamily="18" charset="0"/>
-              </a:rPr>
-              <a:t>:</a:t>
-            </a:r>
-          </a:p>
-          <a:p>
-            <a:pPr marL="0" indent="0">
-              <a:buNone/>
-            </a:pPr>
-            <a:endParaRPr lang="ru-RU" dirty="0" smtClean="0">
-              <a:latin typeface="Times New Roman" panose="02020603050405020304" pitchFamily="18" charset="0"/>
-              <a:cs typeface="Times New Roman" panose="02020603050405020304" pitchFamily="18" charset="0"/>
-            </a:endParaRPr>
-          </a:p>
-        </p:txBody>
-      </p:sp>
       <p:pic>
         <p:nvPicPr>
-          <p:cNvPr id="4" name="Рисунок 3"/>
+          <p:cNvPr id="8" name="Рисунок 7"/>
           <p:cNvPicPr>
             <a:picLocks noChangeAspect="1"/>
           </p:cNvPicPr>
           <p:nvPr/>
         </p:nvPicPr>
         <p:blipFill>
-          <a:blip r:embed="rId2"/>
+          <a:blip r:embed="rId4"/>
           <a:stretch>
             <a:fillRect/>
           </a:stretch>
         </p:blipFill>
         <p:spPr>
           <a:xfrm>
-            <a:off x="4524545" y="2874582"/>
+            <a:off x="7008734" y="4343269"/>
             <a:ext cx="2791215" cy="1952898"/>
           </a:xfrm>
           <a:prstGeom prst="rect">
@@ -4017,13 +4196,13 @@
       </p:pic>
       <p:cxnSp>
         <p:nvCxnSpPr>
-          <p:cNvPr id="6" name="Прямая соединительная линия 5"/>
+          <p:cNvPr id="9" name="Прямая соединительная линия 8"/>
           <p:cNvCxnSpPr/>
           <p:nvPr/>
         </p:nvCxnSpPr>
         <p:spPr>
           <a:xfrm>
-            <a:off x="6453555" y="4827480"/>
+            <a:off x="8928307" y="6296167"/>
             <a:ext cx="606669" cy="0"/>
           </a:xfrm>
           <a:prstGeom prst="line">
@@ -4057,46 +4236,10 @@
           </a:fontRef>
         </p:style>
       </p:cxnSp>
-      <p:sp>
-        <p:nvSpPr>
-          <p:cNvPr id="7" name="Прямоугольник 6"/>
-          <p:cNvSpPr/>
-          <p:nvPr/>
-        </p:nvSpPr>
-        <p:spPr>
-          <a:xfrm>
-            <a:off x="11035503" y="6407840"/>
-            <a:ext cx="1021433" cy="307777"/>
-          </a:xfrm>
-          <a:prstGeom prst="rect">
-            <a:avLst/>
-          </a:prstGeom>
-        </p:spPr>
-        <p:txBody>
-          <a:bodyPr wrap="none">
-            <a:spAutoFit/>
-          </a:bodyPr>
-          <a:lstStyle/>
-          <a:p>
-            <a:r>
-              <a:rPr lang="ru-RU" sz="1400" b="1" dirty="0" smtClean="0">
-                <a:solidFill>
-                  <a:srgbClr val="055154"/>
-                </a:solidFill>
-                <a:latin typeface="Nautilus Pompilius" panose="02000000000000000000" pitchFamily="50" charset="-52"/>
-              </a:rPr>
-              <a:t>Бахов Г.П.</a:t>
-            </a:r>
-            <a:endParaRPr lang="ru-RU" sz="1400" dirty="0">
-              <a:latin typeface="Nautilus Pompilius" panose="02000000000000000000" pitchFamily="50" charset="-52"/>
-            </a:endParaRPr>
-          </a:p>
-        </p:txBody>
-      </p:sp>
     </p:spTree>
     <p:extLst>
       <p:ext uri="{BB962C8B-B14F-4D97-AF65-F5344CB8AC3E}">
-        <p14:creationId xmlns:p14="http://schemas.microsoft.com/office/powerpoint/2010/main" val="1295527928"/>
+        <p14:creationId xmlns:p14="http://schemas.microsoft.com/office/powerpoint/2010/main" val="2187028383"/>
       </p:ext>
     </p:extLst>
   </p:cSld>
